--- a/FinalProjectPitch.pptx
+++ b/FinalProjectPitch.pptx
@@ -107,6 +107,11 @@
       </a:defRPr>
     </a:lvl9pPr>
   </p:defaultTextStyle>
+  <p:extLst>
+    <p:ext uri="{EFAFB233-063F-42B5-8137-9DF3F51BA10A}">
+      <p15:sldGuideLst xmlns:p15="http://schemas.microsoft.com/office/powerpoint/2012/main"/>
+    </p:ext>
+  </p:extLst>
 </p:presentation>
 </file>
 
@@ -5616,7 +5621,7 @@
           <a:p>
             <a:fld id="{3C19A688-8EDA-AC44-A77F-51609BEFDC62}" type="datetimeFigureOut">
               <a:rPr lang="en-US" smtClean="0"/>
-              <a:t>4/5/21</a:t>
+              <a:t>4/6/21</a:t>
             </a:fld>
             <a:endParaRPr lang="en-US"/>
           </a:p>
@@ -5814,7 +5819,7 @@
           <a:p>
             <a:fld id="{3C19A688-8EDA-AC44-A77F-51609BEFDC62}" type="datetimeFigureOut">
               <a:rPr lang="en-US" smtClean="0"/>
-              <a:t>4/5/21</a:t>
+              <a:t>4/6/21</a:t>
             </a:fld>
             <a:endParaRPr lang="en-US"/>
           </a:p>
@@ -6022,7 +6027,7 @@
           <a:p>
             <a:fld id="{3C19A688-8EDA-AC44-A77F-51609BEFDC62}" type="datetimeFigureOut">
               <a:rPr lang="en-US" smtClean="0"/>
-              <a:t>4/5/21</a:t>
+              <a:t>4/6/21</a:t>
             </a:fld>
             <a:endParaRPr lang="en-US"/>
           </a:p>
@@ -6220,7 +6225,7 @@
           <a:p>
             <a:fld id="{3C19A688-8EDA-AC44-A77F-51609BEFDC62}" type="datetimeFigureOut">
               <a:rPr lang="en-US" smtClean="0"/>
-              <a:t>4/5/21</a:t>
+              <a:t>4/6/21</a:t>
             </a:fld>
             <a:endParaRPr lang="en-US"/>
           </a:p>
@@ -6495,7 +6500,7 @@
           <a:p>
             <a:fld id="{3C19A688-8EDA-AC44-A77F-51609BEFDC62}" type="datetimeFigureOut">
               <a:rPr lang="en-US" smtClean="0"/>
-              <a:t>4/5/21</a:t>
+              <a:t>4/6/21</a:t>
             </a:fld>
             <a:endParaRPr lang="en-US"/>
           </a:p>
@@ -6760,7 +6765,7 @@
           <a:p>
             <a:fld id="{3C19A688-8EDA-AC44-A77F-51609BEFDC62}" type="datetimeFigureOut">
               <a:rPr lang="en-US" smtClean="0"/>
-              <a:t>4/5/21</a:t>
+              <a:t>4/6/21</a:t>
             </a:fld>
             <a:endParaRPr lang="en-US"/>
           </a:p>
@@ -7172,7 +7177,7 @@
           <a:p>
             <a:fld id="{3C19A688-8EDA-AC44-A77F-51609BEFDC62}" type="datetimeFigureOut">
               <a:rPr lang="en-US" smtClean="0"/>
-              <a:t>4/5/21</a:t>
+              <a:t>4/6/21</a:t>
             </a:fld>
             <a:endParaRPr lang="en-US"/>
           </a:p>
@@ -7313,7 +7318,7 @@
           <a:p>
             <a:fld id="{3C19A688-8EDA-AC44-A77F-51609BEFDC62}" type="datetimeFigureOut">
               <a:rPr lang="en-US" smtClean="0"/>
-              <a:t>4/5/21</a:t>
+              <a:t>4/6/21</a:t>
             </a:fld>
             <a:endParaRPr lang="en-US"/>
           </a:p>
@@ -7426,7 +7431,7 @@
           <a:p>
             <a:fld id="{3C19A688-8EDA-AC44-A77F-51609BEFDC62}" type="datetimeFigureOut">
               <a:rPr lang="en-US" smtClean="0"/>
-              <a:t>4/5/21</a:t>
+              <a:t>4/6/21</a:t>
             </a:fld>
             <a:endParaRPr lang="en-US"/>
           </a:p>
@@ -7737,7 +7742,7 @@
           <a:p>
             <a:fld id="{3C19A688-8EDA-AC44-A77F-51609BEFDC62}" type="datetimeFigureOut">
               <a:rPr lang="en-US" smtClean="0"/>
-              <a:t>4/5/21</a:t>
+              <a:t>4/6/21</a:t>
             </a:fld>
             <a:endParaRPr lang="en-US"/>
           </a:p>
@@ -8025,7 +8030,7 @@
           <a:p>
             <a:fld id="{3C19A688-8EDA-AC44-A77F-51609BEFDC62}" type="datetimeFigureOut">
               <a:rPr lang="en-US" smtClean="0"/>
-              <a:t>4/5/21</a:t>
+              <a:t>4/6/21</a:t>
             </a:fld>
             <a:endParaRPr lang="en-US"/>
           </a:p>
@@ -8266,7 +8271,7 @@
           <a:p>
             <a:fld id="{3C19A688-8EDA-AC44-A77F-51609BEFDC62}" type="datetimeFigureOut">
               <a:rPr lang="en-US" smtClean="0"/>
-              <a:t>4/5/21</a:t>
+              <a:t>4/6/21</a:t>
             </a:fld>
             <a:endParaRPr lang="en-US"/>
           </a:p>
@@ -8691,72 +8696,12 @@
           <a:chExt cx="0" cy="0"/>
         </a:xfrm>
       </p:grpSpPr>
-      <p:pic>
-        <p:nvPicPr>
-          <p:cNvPr id="5" name="Picture 4" descr="Text&#10;&#10;Description automatically generated with medium confidence">
+      <p:sp useBgFill="1">
+        <p:nvSpPr>
+          <p:cNvPr id="45" name="Rectangle 20">
             <a:extLst>
               <a:ext uri="{FF2B5EF4-FFF2-40B4-BE49-F238E27FC236}">
-                <a16:creationId xmlns:a16="http://schemas.microsoft.com/office/drawing/2014/main" id="{5DB05CEC-EB03-B444-BD45-C65943242F43}"/>
-              </a:ext>
-            </a:extLst>
-          </p:cNvPr>
-          <p:cNvPicPr>
-            <a:picLocks noChangeAspect="1"/>
-          </p:cNvPicPr>
-          <p:nvPr/>
-        </p:nvPicPr>
-        <p:blipFill>
-          <a:blip r:embed="rId2"/>
-          <a:stretch>
-            <a:fillRect/>
-          </a:stretch>
-        </p:blipFill>
-        <p:spPr>
-          <a:xfrm>
-            <a:off x="90977" y="1143000"/>
-            <a:ext cx="5792989" cy="1187562"/>
-          </a:xfrm>
-          <a:prstGeom prst="rect">
-            <a:avLst/>
-          </a:prstGeom>
-        </p:spPr>
-      </p:pic>
-      <p:pic>
-        <p:nvPicPr>
-          <p:cNvPr id="9" name="Picture 8" descr="Text&#10;&#10;Description automatically generated">
-            <a:extLst>
-              <a:ext uri="{FF2B5EF4-FFF2-40B4-BE49-F238E27FC236}">
-                <a16:creationId xmlns:a16="http://schemas.microsoft.com/office/drawing/2014/main" id="{CA0F0820-B4DF-B341-9D88-6B90D7A71CA7}"/>
-              </a:ext>
-            </a:extLst>
-          </p:cNvPr>
-          <p:cNvPicPr>
-            <a:picLocks noChangeAspect="1"/>
-          </p:cNvPicPr>
-          <p:nvPr/>
-        </p:nvPicPr>
-        <p:blipFill>
-          <a:blip r:embed="rId3"/>
-          <a:stretch>
-            <a:fillRect/>
-          </a:stretch>
-        </p:blipFill>
-        <p:spPr>
-          <a:xfrm>
-            <a:off x="237625" y="4527438"/>
-            <a:ext cx="5646340" cy="931646"/>
-          </a:xfrm>
-          <a:prstGeom prst="rect">
-            <a:avLst/>
-          </a:prstGeom>
-        </p:spPr>
-      </p:pic>
-      <p:sp>
-        <p:nvSpPr>
-          <p:cNvPr id="14" name="Rectangle 13">
-            <a:extLst>
-              <a:ext uri="{FF2B5EF4-FFF2-40B4-BE49-F238E27FC236}">
-                <a16:creationId xmlns:a16="http://schemas.microsoft.com/office/drawing/2014/main" id="{799448F2-0E5B-42DA-B2D1-11A14E947BD4}"/>
+                <a16:creationId xmlns:a16="http://schemas.microsoft.com/office/drawing/2014/main" id="{F4EFAF72-18D0-46AA-8742-0B4C57BC0CD4}"/>
               </a:ext>
               <a:ext uri="{C183D7F6-B498-43B3-948B-1728B52AA6E4}">
                 <adec:decorative xmlns:adec="http://schemas.microsoft.com/office/drawing/2017/decorative" val="1"/>
@@ -8776,17 +8721,185 @@
         </p:nvSpPr>
         <p:spPr>
           <a:xfrm>
-            <a:off x="6050280" y="0"/>
-            <a:ext cx="91440" cy="6858000"/>
+            <a:off x="-1" y="0"/>
+            <a:ext cx="12191695" cy="6858000"/>
+          </a:xfrm>
+          <a:prstGeom prst="rect">
+            <a:avLst/>
+          </a:prstGeom>
+          <a:ln>
+            <a:noFill/>
+          </a:ln>
+        </p:spPr>
+        <p:style>
+          <a:lnRef idx="2">
+            <a:schemeClr val="accent1">
+              <a:shade val="50000"/>
+            </a:schemeClr>
+          </a:lnRef>
+          <a:fillRef idx="1">
+            <a:schemeClr val="accent1"/>
+          </a:fillRef>
+          <a:effectRef idx="0">
+            <a:schemeClr val="accent1"/>
+          </a:effectRef>
+          <a:fontRef idx="minor">
+            <a:schemeClr val="lt1"/>
+          </a:fontRef>
+        </p:style>
+        <p:txBody>
+          <a:bodyPr rtlCol="0" anchor="ctr"/>
+          <a:lstStyle/>
+          <a:p>
+            <a:pPr algn="ctr"/>
+            <a:endParaRPr lang="en-US"/>
+          </a:p>
+        </p:txBody>
+      </p:sp>
+      <p:sp>
+        <p:nvSpPr>
+          <p:cNvPr id="46" name="Rectangle 22">
+            <a:extLst>
+              <a:ext uri="{FF2B5EF4-FFF2-40B4-BE49-F238E27FC236}">
+                <a16:creationId xmlns:a16="http://schemas.microsoft.com/office/drawing/2014/main" id="{D5A31AE8-0E91-4CDA-9C9E-21D3C2098165}"/>
+              </a:ext>
+              <a:ext uri="{C183D7F6-B498-43B3-948B-1728B52AA6E4}">
+                <adec:decorative xmlns:adec="http://schemas.microsoft.com/office/drawing/2017/decorative" val="1"/>
+              </a:ext>
+            </a:extLst>
+          </p:cNvPr>
+          <p:cNvSpPr>
+            <a:spLocks noGrp="1" noRot="1" noChangeAspect="1" noMove="1" noResize="1" noEditPoints="1" noAdjustHandles="1" noChangeArrowheads="1" noChangeShapeType="1" noTextEdit="1"/>
+          </p:cNvSpPr>
+          <p:nvPr>
+            <p:extLst>
+              <p:ext uri="{386F3935-93C4-4BCD-93E2-E3B085C9AB24}">
+                <p16:designElem xmlns:p16="http://schemas.microsoft.com/office/powerpoint/2015/main" val="1"/>
+              </p:ext>
+            </p:extLst>
+          </p:nvPr>
+        </p:nvSpPr>
+        <p:spPr>
+          <a:xfrm>
+            <a:off x="0" y="0"/>
+            <a:ext cx="6822570" cy="6858000"/>
+          </a:xfrm>
+          <a:prstGeom prst="rect">
+            <a:avLst/>
+          </a:prstGeom>
+          <a:ln>
+            <a:noFill/>
+          </a:ln>
+          <a:effectLst/>
+        </p:spPr>
+        <p:style>
+          <a:lnRef idx="0">
+            <a:schemeClr val="dk1"/>
+          </a:lnRef>
+          <a:fillRef idx="3">
+            <a:schemeClr val="dk1"/>
+          </a:fillRef>
+          <a:effectRef idx="3">
+            <a:schemeClr val="dk1"/>
+          </a:effectRef>
+          <a:fontRef idx="minor">
+            <a:schemeClr val="lt1"/>
+          </a:fontRef>
+        </p:style>
+        <p:txBody>
+          <a:bodyPr rtlCol="0" anchor="ctr"/>
+          <a:lstStyle/>
+          <a:p>
+            <a:pPr algn="ctr"/>
+            <a:endParaRPr lang="en-US"/>
+          </a:p>
+        </p:txBody>
+      </p:sp>
+      <p:sp>
+        <p:nvSpPr>
+          <p:cNvPr id="2" name="TextBox 1">
+            <a:extLst>
+              <a:ext uri="{FF2B5EF4-FFF2-40B4-BE49-F238E27FC236}">
+                <a16:creationId xmlns:a16="http://schemas.microsoft.com/office/drawing/2014/main" id="{63E30260-9E7E-7B46-ADE8-E25985C59DBB}"/>
+              </a:ext>
+            </a:extLst>
+          </p:cNvPr>
+          <p:cNvSpPr txBox="1"/>
+          <p:nvPr/>
+        </p:nvSpPr>
+        <p:spPr>
+          <a:xfrm>
+            <a:off x="1303850" y="891541"/>
+            <a:ext cx="5016563" cy="4074074"/>
+          </a:xfrm>
+          <a:prstGeom prst="rect">
+            <a:avLst/>
+          </a:prstGeom>
+        </p:spPr>
+        <p:txBody>
+          <a:bodyPr vert="horz" lIns="91440" tIns="45720" rIns="91440" bIns="45720" rtlCol="0" anchor="b">
+            <a:normAutofit/>
+          </a:bodyPr>
+          <a:lstStyle/>
+          <a:p>
+            <a:pPr>
+              <a:lnSpc>
+                <a:spcPct val="90000"/>
+              </a:lnSpc>
+              <a:spcBef>
+                <a:spcPct val="0"/>
+              </a:spcBef>
+              <a:spcAft>
+                <a:spcPts val="600"/>
+              </a:spcAft>
+            </a:pPr>
+            <a:r>
+              <a:rPr lang="en-US" sz="5600">
+                <a:solidFill>
+                  <a:srgbClr val="FFFFFF"/>
+                </a:solidFill>
+                <a:latin typeface="+mj-lt"/>
+                <a:ea typeface="+mj-ea"/>
+                <a:cs typeface="+mj-cs"/>
+              </a:rPr>
+              <a:t>Diversity on College Websites vs. College Campuses</a:t>
+            </a:r>
+          </a:p>
+        </p:txBody>
+      </p:sp>
+      <p:sp>
+        <p:nvSpPr>
+          <p:cNvPr id="25" name="Rectangle 24">
+            <a:extLst>
+              <a:ext uri="{FF2B5EF4-FFF2-40B4-BE49-F238E27FC236}">
+                <a16:creationId xmlns:a16="http://schemas.microsoft.com/office/drawing/2014/main" id="{E6D2DCEA-04F1-4EFD-B194-00459B277F1B}"/>
+              </a:ext>
+              <a:ext uri="{C183D7F6-B498-43B3-948B-1728B52AA6E4}">
+                <adec:decorative xmlns:adec="http://schemas.microsoft.com/office/drawing/2017/decorative" val="1"/>
+              </a:ext>
+            </a:extLst>
+          </p:cNvPr>
+          <p:cNvSpPr>
+            <a:spLocks noGrp="1" noRot="1" noChangeAspect="1" noMove="1" noResize="1" noEditPoints="1" noAdjustHandles="1" noChangeArrowheads="1" noChangeShapeType="1" noTextEdit="1"/>
+          </p:cNvSpPr>
+          <p:nvPr>
+            <p:extLst>
+              <p:ext uri="{386F3935-93C4-4BCD-93E2-E3B085C9AB24}">
+                <p16:designElem xmlns:p16="http://schemas.microsoft.com/office/powerpoint/2015/main" val="1"/>
+              </p:ext>
+            </p:extLst>
+          </p:nvPr>
+        </p:nvSpPr>
+        <p:spPr>
+          <a:xfrm>
+            <a:off x="0" y="891540"/>
+            <a:ext cx="722376" cy="5071110"/>
           </a:xfrm>
           <a:prstGeom prst="rect">
             <a:avLst/>
           </a:prstGeom>
           <a:solidFill>
-            <a:schemeClr val="tx1">
-              <a:lumMod val="75000"/>
-              <a:lumOff val="25000"/>
-            </a:schemeClr>
+            <a:srgbClr val="4C5254"/>
           </a:solidFill>
           <a:ln>
             <a:noFill/>
@@ -8817,78 +8930,86 @@
           </a:p>
         </p:txBody>
       </p:sp>
-      <p:sp>
-        <p:nvSpPr>
-          <p:cNvPr id="16" name="Rectangle 15">
-            <a:extLst>
-              <a:ext uri="{FF2B5EF4-FFF2-40B4-BE49-F238E27FC236}">
-                <a16:creationId xmlns:a16="http://schemas.microsoft.com/office/drawing/2014/main" id="{4E8A7552-20E1-4F34-ADAB-C1DB6634D47E}"/>
-              </a:ext>
-              <a:ext uri="{C183D7F6-B498-43B3-948B-1728B52AA6E4}">
-                <adec:decorative xmlns:adec="http://schemas.microsoft.com/office/drawing/2017/decorative" val="1"/>
-              </a:ext>
-            </a:extLst>
-          </p:cNvPr>
-          <p:cNvSpPr>
-            <a:spLocks noGrp="1" noRot="1" noChangeAspect="1" noMove="1" noResize="1" noEditPoints="1" noAdjustHandles="1" noChangeArrowheads="1" noChangeShapeType="1" noTextEdit="1"/>
-          </p:cNvSpPr>
-          <p:nvPr>
-            <p:extLst>
-              <p:ext uri="{386F3935-93C4-4BCD-93E2-E3B085C9AB24}">
-                <p16:designElem xmlns:p16="http://schemas.microsoft.com/office/powerpoint/2015/main" val="1"/>
-              </p:ext>
-            </p:extLst>
-          </p:nvPr>
-        </p:nvSpPr>
-        <p:spPr>
-          <a:xfrm>
-            <a:off x="0" y="3383280"/>
-            <a:ext cx="6126480" cy="91440"/>
-          </a:xfrm>
-          <a:prstGeom prst="rect">
-            <a:avLst/>
-          </a:prstGeom>
-          <a:solidFill>
-            <a:schemeClr val="tx1">
-              <a:lumMod val="75000"/>
-              <a:lumOff val="25000"/>
-            </a:schemeClr>
-          </a:solidFill>
-          <a:ln>
-            <a:noFill/>
-          </a:ln>
-        </p:spPr>
-        <p:style>
-          <a:lnRef idx="2">
-            <a:schemeClr val="accent1">
-              <a:shade val="50000"/>
-            </a:schemeClr>
-          </a:lnRef>
-          <a:fillRef idx="1">
-            <a:schemeClr val="accent1"/>
-          </a:fillRef>
-          <a:effectRef idx="0">
-            <a:schemeClr val="accent1"/>
-          </a:effectRef>
-          <a:fontRef idx="minor">
-            <a:schemeClr val="lt1"/>
-          </a:fontRef>
-        </p:style>
-        <p:txBody>
-          <a:bodyPr rtlCol="0" anchor="ctr"/>
-          <a:lstStyle/>
-          <a:p>
-            <a:pPr algn="ctr"/>
-            <a:endParaRPr lang="en-US"/>
-          </a:p>
-        </p:txBody>
-      </p:sp>
       <p:pic>
         <p:nvPicPr>
           <p:cNvPr id="7" name="Picture 6" descr="Text&#10;&#10;Description automatically generated">
             <a:extLst>
               <a:ext uri="{FF2B5EF4-FFF2-40B4-BE49-F238E27FC236}">
                 <a16:creationId xmlns:a16="http://schemas.microsoft.com/office/drawing/2014/main" id="{50FC1094-E4AE-AB4F-9748-D415CECF1703}"/>
+              </a:ext>
+            </a:extLst>
+          </p:cNvPr>
+          <p:cNvPicPr>
+            <a:picLocks noChangeAspect="1"/>
+          </p:cNvPicPr>
+          <p:nvPr/>
+        </p:nvPicPr>
+        <p:blipFill>
+          <a:blip r:embed="rId2"/>
+          <a:stretch>
+            <a:fillRect/>
+          </a:stretch>
+        </p:blipFill>
+        <p:spPr>
+          <a:xfrm>
+            <a:off x="7552815" y="631841"/>
+            <a:ext cx="4057804" cy="1826012"/>
+          </a:xfrm>
+          <a:prstGeom prst="rect">
+            <a:avLst/>
+          </a:prstGeom>
+          <a:effectLst>
+            <a:outerShdw blurRad="406400" dist="317500" dir="5400000" sx="89000" sy="89000" rotWithShape="0">
+              <a:prstClr val="black">
+                <a:alpha val="15000"/>
+              </a:prstClr>
+            </a:outerShdw>
+          </a:effectLst>
+        </p:spPr>
+      </p:pic>
+      <p:pic>
+        <p:nvPicPr>
+          <p:cNvPr id="5" name="Picture 4" descr="Text&#10;&#10;Description automatically generated with medium confidence">
+            <a:extLst>
+              <a:ext uri="{FF2B5EF4-FFF2-40B4-BE49-F238E27FC236}">
+                <a16:creationId xmlns:a16="http://schemas.microsoft.com/office/drawing/2014/main" id="{5DB05CEC-EB03-B444-BD45-C65943242F43}"/>
+              </a:ext>
+            </a:extLst>
+          </p:cNvPr>
+          <p:cNvPicPr>
+            <a:picLocks noChangeAspect="1"/>
+          </p:cNvPicPr>
+          <p:nvPr/>
+        </p:nvPicPr>
+        <p:blipFill>
+          <a:blip r:embed="rId3"/>
+          <a:stretch>
+            <a:fillRect/>
+          </a:stretch>
+        </p:blipFill>
+        <p:spPr>
+          <a:xfrm>
+            <a:off x="7182522" y="4743837"/>
+            <a:ext cx="4649219" cy="953089"/>
+          </a:xfrm>
+          <a:prstGeom prst="rect">
+            <a:avLst/>
+          </a:prstGeom>
+          <a:effectLst>
+            <a:outerShdw blurRad="406400" dist="317500" dir="5400000" sx="89000" sy="89000" rotWithShape="0">
+              <a:prstClr val="black">
+                <a:alpha val="15000"/>
+              </a:prstClr>
+            </a:outerShdw>
+          </a:effectLst>
+        </p:spPr>
+      </p:pic>
+      <p:pic>
+        <p:nvPicPr>
+          <p:cNvPr id="9" name="Picture 8" descr="Text&#10;&#10;Description automatically generated">
+            <a:extLst>
+              <a:ext uri="{FF2B5EF4-FFF2-40B4-BE49-F238E27FC236}">
+                <a16:creationId xmlns:a16="http://schemas.microsoft.com/office/drawing/2014/main" id="{CA0F0820-B4DF-B341-9D88-6B90D7A71CA7}"/>
               </a:ext>
             </a:extLst>
           </p:cNvPr>
@@ -8905,12 +9026,19 @@
         </p:blipFill>
         <p:spPr>
           <a:xfrm>
-            <a:off x="6308034" y="2135673"/>
-            <a:ext cx="5426764" cy="2442043"/>
+            <a:off x="7094433" y="2991845"/>
+            <a:ext cx="4698413" cy="775238"/>
           </a:xfrm>
           <a:prstGeom prst="rect">
             <a:avLst/>
           </a:prstGeom>
+          <a:effectLst>
+            <a:outerShdw blurRad="406400" dist="317500" dir="5400000" sx="89000" sy="89000" rotWithShape="0">
+              <a:prstClr val="black">
+                <a:alpha val="15000"/>
+              </a:prstClr>
+            </a:outerShdw>
+          </a:effectLst>
         </p:spPr>
       </p:pic>
     </p:spTree>
